--- a/Paper Notes/DeteroRS/DeteroRS.pptx
+++ b/Paper Notes/DeteroRS/DeteroRS.pptx
@@ -211,7 +211,7 @@
           <a:p>
             <a:fld id="{900371FC-702D-4956-921A-9F0E25F794F0}" type="datetimeFigureOut">
               <a:rPr lang="zh-CN" altLang="en-US" smtClean="0"/>
-              <a:t>2020/7/15</a:t>
+              <a:t>2020/7/23</a:t>
             </a:fld>
             <a:endParaRPr lang="zh-CN" altLang="en-US"/>
           </a:p>
@@ -1368,17 +1368,122 @@
           <a:lstStyle/>
           <a:p>
             <a:r>
+              <a:rPr lang="en-US" altLang="zh-CN" dirty="0"/>
+              <a:t>1*1 </a:t>
+            </a:r>
+            <a:r>
               <a:rPr lang="zh-CN" altLang="en-US" dirty="0"/>
-              <a:t>之前提到的对语义信息的敏感是因为借鉴了</a:t>
+              <a:t>卷积的作用：</a:t>
             </a:r>
             <a:r>
               <a:rPr lang="en-US" altLang="zh-CN" dirty="0"/>
-              <a:t>Senet</a:t>
+              <a:t>1</a:t>
             </a:r>
             <a:r>
               <a:rPr lang="zh-CN" altLang="en-US" dirty="0"/>
-              <a:t>中的模块，在此基础上做了轻量化改进</a:t>
-            </a:r>
+              <a:t>*</a:t>
+            </a:r>
+            <a:r>
+              <a:rPr lang="en-US" altLang="zh-CN" dirty="0"/>
+              <a:t>1 </a:t>
+            </a:r>
+            <a:r>
+              <a:rPr lang="zh-CN" altLang="en-US" dirty="0"/>
+              <a:t>代表的其实</a:t>
+            </a:r>
+            <a:r>
+              <a:rPr lang="en-US" altLang="zh-CN" dirty="0"/>
+              <a:t>1</a:t>
+            </a:r>
+            <a:r>
+              <a:rPr lang="zh-CN" altLang="en-US" dirty="0"/>
+              <a:t>*</a:t>
+            </a:r>
+            <a:r>
+              <a:rPr lang="en-US" altLang="zh-CN" dirty="0"/>
+              <a:t>1</a:t>
+            </a:r>
+            <a:r>
+              <a:rPr lang="zh-CN" altLang="en-US" dirty="0"/>
+              <a:t>*</a:t>
+            </a:r>
+            <a:r>
+              <a:rPr lang="en-US" altLang="zh-CN" dirty="0"/>
+              <a:t>C  </a:t>
+            </a:r>
+            <a:r>
+              <a:rPr lang="zh-CN" altLang="en-US" dirty="0"/>
+              <a:t>（</a:t>
+            </a:r>
+            <a:r>
+              <a:rPr lang="en-US" altLang="zh-CN" dirty="0"/>
+              <a:t>C</a:t>
+            </a:r>
+            <a:r>
+              <a:rPr lang="zh-CN" altLang="en-US" dirty="0"/>
+              <a:t>代表通道数量），</a:t>
+            </a:r>
+            <a:r>
+              <a:rPr lang="en-US" altLang="zh-CN" sz="1200" b="0" i="0" kern="1200" dirty="0">
+                <a:solidFill>
+                  <a:schemeClr val="tx1"/>
+                </a:solidFill>
+                <a:effectLst/>
+                <a:latin typeface="+mn-lt"/>
+                <a:ea typeface="+mn-ea"/>
+                <a:cs typeface="+mn-cs"/>
+              </a:rPr>
+              <a:t>1*1</a:t>
+            </a:r>
+            <a:r>
+              <a:rPr lang="zh-CN" altLang="en-US" sz="1200" b="0" i="0" kern="1200" dirty="0">
+                <a:solidFill>
+                  <a:schemeClr val="tx1"/>
+                </a:solidFill>
+                <a:effectLst/>
+                <a:latin typeface="+mn-lt"/>
+                <a:ea typeface="+mn-ea"/>
+                <a:cs typeface="+mn-cs"/>
+              </a:rPr>
+              <a:t>的卷积就是多个</a:t>
+            </a:r>
+            <a:r>
+              <a:rPr lang="en-US" altLang="zh-CN" sz="1200" b="0" i="0" kern="1200" dirty="0">
+                <a:solidFill>
+                  <a:schemeClr val="tx1"/>
+                </a:solidFill>
+                <a:effectLst/>
+                <a:latin typeface="+mn-lt"/>
+                <a:ea typeface="+mn-ea"/>
+                <a:cs typeface="+mn-cs"/>
+              </a:rPr>
+              <a:t>feature channels</a:t>
+            </a:r>
+            <a:r>
+              <a:rPr lang="zh-CN" altLang="en-US" sz="1200" b="0" i="0" kern="1200" dirty="0">
+                <a:solidFill>
+                  <a:schemeClr val="tx1"/>
+                </a:solidFill>
+                <a:effectLst/>
+                <a:latin typeface="+mn-lt"/>
+                <a:ea typeface="+mn-ea"/>
+                <a:cs typeface="+mn-cs"/>
+              </a:rPr>
+              <a:t>线性叠加</a:t>
+            </a:r>
+            <a:r>
+              <a:rPr lang="en-US" altLang="zh-CN" sz="1200" b="0" i="0" kern="1200" dirty="0">
+                <a:solidFill>
+                  <a:schemeClr val="tx1"/>
+                </a:solidFill>
+                <a:effectLst/>
+                <a:latin typeface="+mn-lt"/>
+                <a:ea typeface="+mn-ea"/>
+                <a:cs typeface="+mn-cs"/>
+              </a:rPr>
+              <a:t>2</a:t>
+            </a:r>
+            <a:endParaRPr lang="zh-CN" altLang="en-US" dirty="0"/>
           </a:p>
         </p:txBody>
       </p:sp>
@@ -1399,7 +1504,7 @@
           <a:p>
             <a:fld id="{8EEDA37A-2233-4081-85A8-066EC8122E9A}" type="slidenum">
               <a:rPr lang="zh-CN" altLang="en-US" smtClean="0"/>
-              <a:t>9</a:t>
+              <a:t>8</a:t>
             </a:fld>
             <a:endParaRPr lang="zh-CN" altLang="en-US"/>
           </a:p>
@@ -1408,7 +1513,7 @@
     </p:spTree>
     <p:extLst>
       <p:ext uri="{BB962C8B-B14F-4D97-AF65-F5344CB8AC3E}">
-        <p14:creationId xmlns:p14="http://schemas.microsoft.com/office/powerpoint/2010/main" val="1138032056"/>
+        <p14:creationId xmlns:p14="http://schemas.microsoft.com/office/powerpoint/2010/main" val="2836127141"/>
       </p:ext>
     </p:extLst>
   </p:cSld>
@@ -1463,6 +1568,101 @@
           <a:lstStyle/>
           <a:p>
             <a:r>
+              <a:rPr lang="zh-CN" altLang="en-US" dirty="0"/>
+              <a:t>之前提到的对语义信息的敏感是因为借鉴了</a:t>
+            </a:r>
+            <a:r>
+              <a:rPr lang="en-US" altLang="zh-CN" dirty="0"/>
+              <a:t>Senet</a:t>
+            </a:r>
+            <a:r>
+              <a:rPr lang="zh-CN" altLang="en-US" dirty="0"/>
+              <a:t>中的模块，在此基础上做了轻量化改进</a:t>
+            </a:r>
+          </a:p>
+        </p:txBody>
+      </p:sp>
+      <p:sp>
+        <p:nvSpPr>
+          <p:cNvPr id="4" name="灯片编号占位符 3"/>
+          <p:cNvSpPr>
+            <a:spLocks noGrp="1"/>
+          </p:cNvSpPr>
+          <p:nvPr>
+            <p:ph type="sldNum" sz="quarter" idx="5"/>
+          </p:nvPr>
+        </p:nvSpPr>
+        <p:spPr/>
+        <p:txBody>
+          <a:bodyPr/>
+          <a:lstStyle/>
+          <a:p>
+            <a:fld id="{8EEDA37A-2233-4081-85A8-066EC8122E9A}" type="slidenum">
+              <a:rPr lang="zh-CN" altLang="en-US" smtClean="0"/>
+              <a:t>9</a:t>
+            </a:fld>
+            <a:endParaRPr lang="zh-CN" altLang="en-US"/>
+          </a:p>
+        </p:txBody>
+      </p:sp>
+    </p:spTree>
+    <p:extLst>
+      <p:ext uri="{BB962C8B-B14F-4D97-AF65-F5344CB8AC3E}">
+        <p14:creationId xmlns:p14="http://schemas.microsoft.com/office/powerpoint/2010/main" val="1138032056"/>
+      </p:ext>
+    </p:extLst>
+  </p:cSld>
+  <p:clrMapOvr>
+    <a:masterClrMapping/>
+  </p:clrMapOvr>
+</p:notes>
+</file>
+
+<file path=ppt/notesSlides/notesSlide7.xml><?xml version="1.0" encoding="utf-8"?>
+<p:notes xmlns:a="http://schemas.openxmlformats.org/drawingml/2006/main" xmlns:r="http://schemas.openxmlformats.org/officeDocument/2006/relationships" xmlns:p="http://schemas.openxmlformats.org/presentationml/2006/main">
+  <p:cSld>
+    <p:spTree>
+      <p:nvGrpSpPr>
+        <p:cNvPr id="1" name=""/>
+        <p:cNvGrpSpPr/>
+        <p:nvPr/>
+      </p:nvGrpSpPr>
+      <p:grpSpPr>
+        <a:xfrm>
+          <a:off x="0" y="0"/>
+          <a:ext cx="0" cy="0"/>
+          <a:chOff x="0" y="0"/>
+          <a:chExt cx="0" cy="0"/>
+        </a:xfrm>
+      </p:grpSpPr>
+      <p:sp>
+        <p:nvSpPr>
+          <p:cNvPr id="2" name="幻灯片图像占位符 1"/>
+          <p:cNvSpPr>
+            <a:spLocks noGrp="1" noRot="1" noChangeAspect="1"/>
+          </p:cNvSpPr>
+          <p:nvPr>
+            <p:ph type="sldImg"/>
+          </p:nvPr>
+        </p:nvSpPr>
+        <p:spPr/>
+      </p:sp>
+      <p:sp>
+        <p:nvSpPr>
+          <p:cNvPr id="3" name="备注占位符 2"/>
+          <p:cNvSpPr>
+            <a:spLocks noGrp="1"/>
+          </p:cNvSpPr>
+          <p:nvPr>
+            <p:ph type="body" idx="1"/>
+          </p:nvPr>
+        </p:nvSpPr>
+        <p:spPr/>
+        <p:txBody>
+          <a:bodyPr/>
+          <a:lstStyle/>
+          <a:p>
+            <a:r>
               <a:rPr lang="zh-CN" altLang="zh-CN" dirty="0"/>
               <a:t>上采样/池化层是确定性的</a:t>
             </a:r>
@@ -1509,7 +1709,7 @@
 </p:notes>
 </file>
 
-<file path=ppt/notesSlides/notesSlide7.xml><?xml version="1.0" encoding="utf-8"?>
+<file path=ppt/notesSlides/notesSlide8.xml><?xml version="1.0" encoding="utf-8"?>
 <p:notes xmlns:a="http://schemas.openxmlformats.org/drawingml/2006/main" xmlns:r="http://schemas.openxmlformats.org/officeDocument/2006/relationships" xmlns:p="http://schemas.openxmlformats.org/presentationml/2006/main">
   <p:cSld>
     <p:spTree>
@@ -1925,7 +2125,7 @@
           <a:p>
             <a:fld id="{BC645352-554D-4C77-9094-81381215D2D0}" type="datetimeFigureOut">
               <a:rPr lang="zh-CN" altLang="en-US" smtClean="0"/>
-              <a:t>2020/7/15</a:t>
+              <a:t>2020/7/23</a:t>
             </a:fld>
             <a:endParaRPr lang="zh-CN" altLang="en-US"/>
           </a:p>
@@ -2133,7 +2333,7 @@
           <a:p>
             <a:fld id="{BC645352-554D-4C77-9094-81381215D2D0}" type="datetimeFigureOut">
               <a:rPr lang="zh-CN" altLang="en-US" smtClean="0"/>
-              <a:t>2020/7/15</a:t>
+              <a:t>2020/7/23</a:t>
             </a:fld>
             <a:endParaRPr lang="zh-CN" altLang="en-US"/>
           </a:p>
@@ -2389,7 +2589,7 @@
           <a:p>
             <a:fld id="{BC645352-554D-4C77-9094-81381215D2D0}" type="datetimeFigureOut">
               <a:rPr lang="zh-CN" altLang="en-US" smtClean="0"/>
-              <a:t>2020/7/15</a:t>
+              <a:t>2020/7/23</a:t>
             </a:fld>
             <a:endParaRPr lang="zh-CN" altLang="en-US"/>
           </a:p>
@@ -2563,7 +2763,7 @@
           <a:p>
             <a:fld id="{BC645352-554D-4C77-9094-81381215D2D0}" type="datetimeFigureOut">
               <a:rPr lang="zh-CN" altLang="en-US" smtClean="0"/>
-              <a:t>2020/7/15</a:t>
+              <a:t>2020/7/23</a:t>
             </a:fld>
             <a:endParaRPr lang="zh-CN" altLang="en-US"/>
           </a:p>
@@ -2906,7 +3106,7 @@
           <a:p>
             <a:fld id="{BC645352-554D-4C77-9094-81381215D2D0}" type="datetimeFigureOut">
               <a:rPr lang="zh-CN" altLang="en-US" smtClean="0"/>
-              <a:t>2020/7/15</a:t>
+              <a:t>2020/7/23</a:t>
             </a:fld>
             <a:endParaRPr lang="zh-CN" altLang="en-US"/>
           </a:p>
@@ -3181,7 +3381,7 @@
           <a:p>
             <a:fld id="{BC645352-554D-4C77-9094-81381215D2D0}" type="datetimeFigureOut">
               <a:rPr lang="zh-CN" altLang="en-US" smtClean="0"/>
-              <a:t>2020/7/15</a:t>
+              <a:t>2020/7/23</a:t>
             </a:fld>
             <a:endParaRPr lang="zh-CN" altLang="en-US"/>
           </a:p>
@@ -3560,7 +3760,7 @@
           <a:p>
             <a:fld id="{BC645352-554D-4C77-9094-81381215D2D0}" type="datetimeFigureOut">
               <a:rPr lang="zh-CN" altLang="en-US" smtClean="0"/>
-              <a:t>2020/7/15</a:t>
+              <a:t>2020/7/23</a:t>
             </a:fld>
             <a:endParaRPr lang="zh-CN" altLang="en-US"/>
           </a:p>
@@ -3678,7 +3878,7 @@
           <a:p>
             <a:fld id="{BC645352-554D-4C77-9094-81381215D2D0}" type="datetimeFigureOut">
               <a:rPr lang="zh-CN" altLang="en-US" smtClean="0"/>
-              <a:t>2020/7/15</a:t>
+              <a:t>2020/7/23</a:t>
             </a:fld>
             <a:endParaRPr lang="zh-CN" altLang="en-US"/>
           </a:p>
@@ -3849,7 +4049,7 @@
           <a:p>
             <a:fld id="{BC645352-554D-4C77-9094-81381215D2D0}" type="datetimeFigureOut">
               <a:rPr lang="zh-CN" altLang="en-US" smtClean="0"/>
-              <a:t>2020/7/15</a:t>
+              <a:t>2020/7/23</a:t>
             </a:fld>
             <a:endParaRPr lang="zh-CN" altLang="en-US"/>
           </a:p>
@@ -4203,7 +4403,7 @@
           <a:p>
             <a:fld id="{BC645352-554D-4C77-9094-81381215D2D0}" type="datetimeFigureOut">
               <a:rPr lang="zh-CN" altLang="en-US" smtClean="0"/>
-              <a:t>2020/7/15</a:t>
+              <a:t>2020/7/23</a:t>
             </a:fld>
             <a:endParaRPr lang="zh-CN" altLang="en-US"/>
           </a:p>
@@ -4585,7 +4785,7 @@
           <a:p>
             <a:fld id="{BC645352-554D-4C77-9094-81381215D2D0}" type="datetimeFigureOut">
               <a:rPr lang="zh-CN" altLang="en-US" smtClean="0"/>
-              <a:t>2020/7/15</a:t>
+              <a:t>2020/7/23</a:t>
             </a:fld>
             <a:endParaRPr lang="zh-CN" altLang="en-US"/>
           </a:p>
@@ -4872,7 +5072,7 @@
           <a:p>
             <a:fld id="{BC645352-554D-4C77-9094-81381215D2D0}" type="datetimeFigureOut">
               <a:rPr lang="zh-CN" altLang="en-US" smtClean="0"/>
-              <a:t>2020/7/15</a:t>
+              <a:t>2020/7/23</a:t>
             </a:fld>
             <a:endParaRPr lang="zh-CN" altLang="en-US"/>
           </a:p>
@@ -5804,8 +6004,8 @@
         </p:blipFill>
         <p:spPr>
           <a:xfrm>
-            <a:off x="3843886" y="2083102"/>
-            <a:ext cx="7636914" cy="3996735"/>
+            <a:off x="6096000" y="1832005"/>
+            <a:ext cx="5076378" cy="2656693"/>
           </a:xfrm>
           <a:prstGeom prst="rect">
             <a:avLst/>
@@ -5834,7 +6034,7 @@
         </p:blipFill>
         <p:spPr>
           <a:xfrm>
-            <a:off x="266205" y="3224315"/>
+            <a:off x="496367" y="1895968"/>
             <a:ext cx="3483707" cy="1165043"/>
           </a:xfrm>
           <a:prstGeom prst="rect">
@@ -5864,7 +6064,7 @@
         </p:blipFill>
         <p:spPr>
           <a:xfrm>
-            <a:off x="266205" y="4588309"/>
+            <a:off x="449379" y="3051283"/>
             <a:ext cx="3577681" cy="1287808"/>
           </a:xfrm>
           <a:prstGeom prst="rect">
@@ -5907,6 +6107,102 @@
           </a:p>
         </p:txBody>
       </p:sp>
+      <p:pic>
+        <p:nvPicPr>
+          <p:cNvPr id="3" name="图片 2">
+            <a:extLst>
+              <a:ext uri="{FF2B5EF4-FFF2-40B4-BE49-F238E27FC236}">
+                <a16:creationId xmlns:a16="http://schemas.microsoft.com/office/drawing/2014/main" id="{5113D679-9BFC-40E3-BFC3-82E81154A456}"/>
+              </a:ext>
+            </a:extLst>
+          </p:cNvPr>
+          <p:cNvPicPr>
+            <a:picLocks noChangeAspect="1"/>
+          </p:cNvPicPr>
+          <p:nvPr/>
+        </p:nvPicPr>
+        <p:blipFill>
+          <a:blip r:embed="rId5"/>
+          <a:stretch>
+            <a:fillRect/>
+          </a:stretch>
+        </p:blipFill>
+        <p:spPr>
+          <a:xfrm>
+            <a:off x="6495333" y="4358547"/>
+            <a:ext cx="5537783" cy="1858760"/>
+          </a:xfrm>
+          <a:prstGeom prst="rect">
+            <a:avLst/>
+          </a:prstGeom>
+        </p:spPr>
+      </p:pic>
+      <p:sp>
+        <p:nvSpPr>
+          <p:cNvPr id="4" name="文本框 3">
+            <a:extLst>
+              <a:ext uri="{FF2B5EF4-FFF2-40B4-BE49-F238E27FC236}">
+                <a16:creationId xmlns:a16="http://schemas.microsoft.com/office/drawing/2014/main" id="{1714184C-1772-462F-AE68-967C02DE8B54}"/>
+              </a:ext>
+            </a:extLst>
+          </p:cNvPr>
+          <p:cNvSpPr txBox="1"/>
+          <p:nvPr/>
+        </p:nvSpPr>
+        <p:spPr>
+          <a:xfrm>
+            <a:off x="5854675" y="5093533"/>
+            <a:ext cx="543610" cy="369332"/>
+          </a:xfrm>
+          <a:prstGeom prst="rect">
+            <a:avLst/>
+          </a:prstGeom>
+          <a:noFill/>
+        </p:spPr>
+        <p:txBody>
+          <a:bodyPr wrap="none" rtlCol="0">
+            <a:spAutoFit/>
+          </a:bodyPr>
+          <a:lstStyle/>
+          <a:p>
+            <a:r>
+              <a:rPr lang="en-US" altLang="zh-CN" dirty="0"/>
+              <a:t>SAC</a:t>
+            </a:r>
+            <a:endParaRPr lang="zh-CN" altLang="en-US" dirty="0"/>
+          </a:p>
+        </p:txBody>
+      </p:sp>
+      <p:pic>
+        <p:nvPicPr>
+          <p:cNvPr id="8" name="图片 7">
+            <a:extLst>
+              <a:ext uri="{FF2B5EF4-FFF2-40B4-BE49-F238E27FC236}">
+                <a16:creationId xmlns:a16="http://schemas.microsoft.com/office/drawing/2014/main" id="{ACC3CA79-4552-4FE9-9A72-DCF7A5991942}"/>
+              </a:ext>
+            </a:extLst>
+          </p:cNvPr>
+          <p:cNvPicPr>
+            <a:picLocks noChangeAspect="1"/>
+          </p:cNvPicPr>
+          <p:nvPr/>
+        </p:nvPicPr>
+        <p:blipFill>
+          <a:blip r:embed="rId6"/>
+          <a:stretch>
+            <a:fillRect/>
+          </a:stretch>
+        </p:blipFill>
+        <p:spPr>
+          <a:xfrm>
+            <a:off x="257727" y="4311532"/>
+            <a:ext cx="4961905" cy="1933333"/>
+          </a:xfrm>
+          <a:prstGeom prst="rect">
+            <a:avLst/>
+          </a:prstGeom>
+        </p:spPr>
+      </p:pic>
     </p:spTree>
     <p:extLst>
       <p:ext uri="{BB962C8B-B14F-4D97-AF65-F5344CB8AC3E}">
@@ -6496,6 +6792,36 @@
           </a:p>
         </p:txBody>
       </p:sp>
+      <p:pic>
+        <p:nvPicPr>
+          <p:cNvPr id="5" name="图片 4">
+            <a:extLst>
+              <a:ext uri="{FF2B5EF4-FFF2-40B4-BE49-F238E27FC236}">
+                <a16:creationId xmlns:a16="http://schemas.microsoft.com/office/drawing/2014/main" id="{073D32FA-DA43-402D-8E85-D5861A0FFEF5}"/>
+              </a:ext>
+            </a:extLst>
+          </p:cNvPr>
+          <p:cNvPicPr>
+            <a:picLocks noChangeAspect="1"/>
+          </p:cNvPicPr>
+          <p:nvPr/>
+        </p:nvPicPr>
+        <p:blipFill>
+          <a:blip r:embed="rId3"/>
+          <a:stretch>
+            <a:fillRect/>
+          </a:stretch>
+        </p:blipFill>
+        <p:spPr>
+          <a:xfrm>
+            <a:off x="3082897" y="4579162"/>
+            <a:ext cx="5230101" cy="1520079"/>
+          </a:xfrm>
+          <a:prstGeom prst="rect">
+            <a:avLst/>
+          </a:prstGeom>
+        </p:spPr>
+      </p:pic>
     </p:spTree>
     <p:extLst>
       <p:ext uri="{BB962C8B-B14F-4D97-AF65-F5344CB8AC3E}">
@@ -6807,8 +7133,8 @@
         </p:blipFill>
         <p:spPr>
           <a:xfrm>
-            <a:off x="2761015" y="3429000"/>
-            <a:ext cx="6306785" cy="2828532"/>
+            <a:off x="2799925" y="3722032"/>
+            <a:ext cx="5653411" cy="2535500"/>
           </a:xfrm>
           <a:prstGeom prst="rect">
             <a:avLst/>
@@ -7390,7 +7716,7 @@
         </p:blipFill>
         <p:spPr>
           <a:xfrm>
-            <a:off x="1066800" y="2725507"/>
+            <a:off x="1066800" y="2744963"/>
             <a:ext cx="10058400" cy="2395134"/>
           </a:xfrm>
         </p:spPr>
@@ -8140,7 +8466,7 @@
             </p:nvSpPr>
             <p:spPr>
               <a:blipFill>
-                <a:blip r:embed="rId2"/>
+                <a:blip r:embed="rId3"/>
                 <a:stretch>
                   <a:fillRect l="-242" t="-2121"/>
                 </a:stretch>
@@ -8176,15 +8502,75 @@
           <p:nvPr/>
         </p:nvPicPr>
         <p:blipFill>
-          <a:blip r:embed="rId3"/>
+          <a:blip r:embed="rId4"/>
           <a:stretch>
             <a:fillRect/>
           </a:stretch>
         </p:blipFill>
         <p:spPr>
           <a:xfrm>
-            <a:off x="1263135" y="3016291"/>
-            <a:ext cx="9153392" cy="1682245"/>
+            <a:off x="3376390" y="5012419"/>
+            <a:ext cx="4622098" cy="849467"/>
+          </a:xfrm>
+          <a:prstGeom prst="rect">
+            <a:avLst/>
+          </a:prstGeom>
+        </p:spPr>
+      </p:pic>
+      <p:pic>
+        <p:nvPicPr>
+          <p:cNvPr id="6" name="图片 5">
+            <a:extLst>
+              <a:ext uri="{FF2B5EF4-FFF2-40B4-BE49-F238E27FC236}">
+                <a16:creationId xmlns:a16="http://schemas.microsoft.com/office/drawing/2014/main" id="{ACFD5951-D777-40AC-909A-97D0DCEEE735}"/>
+              </a:ext>
+            </a:extLst>
+          </p:cNvPr>
+          <p:cNvPicPr>
+            <a:picLocks noChangeAspect="1"/>
+          </p:cNvPicPr>
+          <p:nvPr/>
+        </p:nvPicPr>
+        <p:blipFill>
+          <a:blip r:embed="rId5"/>
+          <a:stretch>
+            <a:fillRect/>
+          </a:stretch>
+        </p:blipFill>
+        <p:spPr>
+          <a:xfrm>
+            <a:off x="1957905" y="2620218"/>
+            <a:ext cx="8276190" cy="2142857"/>
+          </a:xfrm>
+          <a:prstGeom prst="rect">
+            <a:avLst/>
+          </a:prstGeom>
+        </p:spPr>
+      </p:pic>
+      <p:pic>
+        <p:nvPicPr>
+          <p:cNvPr id="8" name="图片 7">
+            <a:extLst>
+              <a:ext uri="{FF2B5EF4-FFF2-40B4-BE49-F238E27FC236}">
+                <a16:creationId xmlns:a16="http://schemas.microsoft.com/office/drawing/2014/main" id="{67984D48-08A2-41E8-8809-B393988015F1}"/>
+              </a:ext>
+            </a:extLst>
+          </p:cNvPr>
+          <p:cNvPicPr>
+            <a:picLocks noChangeAspect="1"/>
+          </p:cNvPicPr>
+          <p:nvPr/>
+        </p:nvPicPr>
+        <p:blipFill>
+          <a:blip r:embed="rId6"/>
+          <a:stretch>
+            <a:fillRect/>
+          </a:stretch>
+        </p:blipFill>
+        <p:spPr>
+          <a:xfrm>
+            <a:off x="10011192" y="1845734"/>
+            <a:ext cx="1800000" cy="1266667"/>
           </a:xfrm>
           <a:prstGeom prst="rect">
             <a:avLst/>
